--- a/Documents/Presentations/Final Presentation.pptx
+++ b/Documents/Presentations/Final Presentation.pptx
@@ -204,7 +204,7 @@
           <a:p>
             <a:fld id="{D3876632-1E2A-47B5-B68F-E99DEBB92180}" type="datetimeFigureOut">
               <a:rPr lang="en-AU" smtClean="0"/>
-              <a:t>24/10/2014</a:t>
+              <a:t>25/10/2014</a:t>
             </a:fld>
             <a:endParaRPr lang="en-AU"/>
           </a:p>
@@ -468,7 +468,7 @@
           <a:p>
             <a:fld id="{61114700-0334-4AB4-9775-01502D54ABD2}" type="datetimeFigureOut">
               <a:rPr lang="en-AU" smtClean="0"/>
-              <a:t>24/10/2014</a:t>
+              <a:t>25/10/2014</a:t>
             </a:fld>
             <a:endParaRPr lang="en-AU"/>
           </a:p>
@@ -638,7 +638,7 @@
           <a:p>
             <a:fld id="{61114700-0334-4AB4-9775-01502D54ABD2}" type="datetimeFigureOut">
               <a:rPr lang="en-AU" smtClean="0"/>
-              <a:t>24/10/2014</a:t>
+              <a:t>25/10/2014</a:t>
             </a:fld>
             <a:endParaRPr lang="en-AU"/>
           </a:p>
@@ -818,7 +818,7 @@
           <a:p>
             <a:fld id="{61114700-0334-4AB4-9775-01502D54ABD2}" type="datetimeFigureOut">
               <a:rPr lang="en-AU" smtClean="0"/>
-              <a:t>24/10/2014</a:t>
+              <a:t>25/10/2014</a:t>
             </a:fld>
             <a:endParaRPr lang="en-AU"/>
           </a:p>
@@ -988,7 +988,7 @@
           <a:p>
             <a:fld id="{61114700-0334-4AB4-9775-01502D54ABD2}" type="datetimeFigureOut">
               <a:rPr lang="en-AU" smtClean="0"/>
-              <a:t>24/10/2014</a:t>
+              <a:t>25/10/2014</a:t>
             </a:fld>
             <a:endParaRPr lang="en-AU"/>
           </a:p>
@@ -1241,7 +1241,7 @@
           <a:p>
             <a:fld id="{61114700-0334-4AB4-9775-01502D54ABD2}" type="datetimeFigureOut">
               <a:rPr lang="en-AU" smtClean="0"/>
-              <a:t>24/10/2014</a:t>
+              <a:t>25/10/2014</a:t>
             </a:fld>
             <a:endParaRPr lang="en-AU"/>
           </a:p>
@@ -1529,7 +1529,7 @@
           <a:p>
             <a:fld id="{61114700-0334-4AB4-9775-01502D54ABD2}" type="datetimeFigureOut">
               <a:rPr lang="en-AU" smtClean="0"/>
-              <a:t>24/10/2014</a:t>
+              <a:t>25/10/2014</a:t>
             </a:fld>
             <a:endParaRPr lang="en-AU"/>
           </a:p>
@@ -1951,7 +1951,7 @@
           <a:p>
             <a:fld id="{61114700-0334-4AB4-9775-01502D54ABD2}" type="datetimeFigureOut">
               <a:rPr lang="en-AU" smtClean="0"/>
-              <a:t>24/10/2014</a:t>
+              <a:t>25/10/2014</a:t>
             </a:fld>
             <a:endParaRPr lang="en-AU"/>
           </a:p>
@@ -2069,7 +2069,7 @@
           <a:p>
             <a:fld id="{61114700-0334-4AB4-9775-01502D54ABD2}" type="datetimeFigureOut">
               <a:rPr lang="en-AU" smtClean="0"/>
-              <a:t>24/10/2014</a:t>
+              <a:t>25/10/2014</a:t>
             </a:fld>
             <a:endParaRPr lang="en-AU"/>
           </a:p>
@@ -2164,7 +2164,7 @@
           <a:p>
             <a:fld id="{61114700-0334-4AB4-9775-01502D54ABD2}" type="datetimeFigureOut">
               <a:rPr lang="en-AU" smtClean="0"/>
-              <a:t>24/10/2014</a:t>
+              <a:t>25/10/2014</a:t>
             </a:fld>
             <a:endParaRPr lang="en-AU"/>
           </a:p>
@@ -2441,7 +2441,7 @@
           <a:p>
             <a:fld id="{61114700-0334-4AB4-9775-01502D54ABD2}" type="datetimeFigureOut">
               <a:rPr lang="en-AU" smtClean="0"/>
-              <a:t>24/10/2014</a:t>
+              <a:t>25/10/2014</a:t>
             </a:fld>
             <a:endParaRPr lang="en-AU"/>
           </a:p>
@@ -2694,7 +2694,7 @@
           <a:p>
             <a:fld id="{61114700-0334-4AB4-9775-01502D54ABD2}" type="datetimeFigureOut">
               <a:rPr lang="en-AU" smtClean="0"/>
-              <a:t>24/10/2014</a:t>
+              <a:t>25/10/2014</a:t>
             </a:fld>
             <a:endParaRPr lang="en-AU"/>
           </a:p>
@@ -2916,7 +2916,7 @@
           <a:p>
             <a:fld id="{61114700-0334-4AB4-9775-01502D54ABD2}" type="datetimeFigureOut">
               <a:rPr lang="en-AU" smtClean="0"/>
-              <a:t>24/10/2014</a:t>
+              <a:t>25/10/2014</a:t>
             </a:fld>
             <a:endParaRPr lang="en-AU"/>
           </a:p>
@@ -3517,13 +3517,46 @@
           <a:p>
             <a:r>
               <a:rPr lang="en-AU" dirty="0" smtClean="0"/>
-              <a:t>Clinical use</a:t>
-            </a:r>
-          </a:p>
-          <a:p>
-            <a:r>
-              <a:rPr lang="en-AU" dirty="0" smtClean="0"/>
-              <a:t>Adding speech</a:t>
+              <a:t>Clinical </a:t>
+            </a:r>
+            <a:r>
+              <a:rPr lang="en-AU" dirty="0" smtClean="0"/>
+              <a:t>use</a:t>
+            </a:r>
+          </a:p>
+          <a:p>
+            <a:pPr lvl="1"/>
+            <a:r>
+              <a:rPr lang="en-AU" dirty="0" err="1" smtClean="0"/>
+              <a:t>Shri</a:t>
+            </a:r>
+            <a:endParaRPr lang="en-AU" dirty="0" smtClean="0"/>
+          </a:p>
+          <a:p>
+            <a:r>
+              <a:rPr lang="en-AU" dirty="0" smtClean="0"/>
+              <a:t>Additional control schemes</a:t>
+            </a:r>
+          </a:p>
+          <a:p>
+            <a:pPr lvl="1"/>
+            <a:r>
+              <a:rPr lang="en-AU" dirty="0" smtClean="0"/>
+              <a:t>Speech</a:t>
+            </a:r>
+          </a:p>
+          <a:p>
+            <a:pPr lvl="1"/>
+            <a:r>
+              <a:rPr lang="en-AU" dirty="0" smtClean="0"/>
+              <a:t>EEG</a:t>
+            </a:r>
+          </a:p>
+          <a:p>
+            <a:pPr lvl="1"/>
+            <a:r>
+              <a:rPr lang="en-AU" dirty="0" smtClean="0"/>
+              <a:t>Monitoring variables (stress -&gt; self improve software)</a:t>
             </a:r>
             <a:endParaRPr lang="en-AU" dirty="0"/>
           </a:p>
@@ -3539,6 +3572,13 @@
   <p:clrMapOvr>
     <a:masterClrMapping/>
   </p:clrMapOvr>
+  <p:timing>
+    <p:tnLst>
+      <p:par>
+        <p:cTn id="1" dur="indefinite" restart="never" nodeType="tmRoot"/>
+      </p:par>
+    </p:tnLst>
+  </p:timing>
 </p:sld>
 </file>
 
@@ -3576,11 +3616,7 @@
           <a:p>
             <a:r>
               <a:rPr lang="en-AU" b="1" dirty="0" smtClean="0"/>
-              <a:t>Lessons </a:t>
-            </a:r>
-            <a:r>
-              <a:rPr lang="en-AU" b="1" dirty="0" smtClean="0"/>
-              <a:t>Learned</a:t>
+              <a:t>Lessons Learned</a:t>
             </a:r>
             <a:endParaRPr lang="en-AU" b="1" dirty="0"/>
           </a:p>
@@ -3626,15 +3662,7 @@
             <a:pPr lvl="1"/>
             <a:r>
               <a:rPr lang="en-AU" dirty="0" smtClean="0"/>
-              <a:t>Versions/</a:t>
-            </a:r>
-            <a:r>
-              <a:rPr lang="en-AU" dirty="0" err="1"/>
-              <a:t>c</a:t>
-            </a:r>
-            <a:r>
-              <a:rPr lang="en-AU" dirty="0" err="1" smtClean="0"/>
-              <a:t>ompatability</a:t>
+              <a:t>Versions/compatibility</a:t>
             </a:r>
             <a:endParaRPr lang="en-AU" dirty="0" smtClean="0"/>
           </a:p>
@@ -3659,8 +3687,13 @@
           <a:p>
             <a:r>
               <a:rPr lang="en-AU" dirty="0"/>
-              <a:t>(beyond IT; teamwork communication, time management)</a:t>
-            </a:r>
+              <a:t>(beyond IT; teamwork communication, time </a:t>
+            </a:r>
+            <a:r>
+              <a:rPr lang="en-AU" dirty="0" smtClean="0"/>
+              <a:t>management, scope creep (requirements))</a:t>
+            </a:r>
+            <a:endParaRPr lang="en-AU" dirty="0"/>
           </a:p>
           <a:p>
             <a:endParaRPr lang="en-AU" dirty="0"/>
@@ -3777,6 +3810,13 @@
               <a:rPr lang="en-AU" dirty="0" err="1" smtClean="0"/>
               <a:t>Shiratuddin</a:t>
             </a:r>
+            <a:endParaRPr lang="en-AU" dirty="0" smtClean="0"/>
+          </a:p>
+          <a:p>
+            <a:r>
+              <a:rPr lang="en-AU" dirty="0" smtClean="0"/>
+              <a:t>AJ - music</a:t>
+            </a:r>
             <a:endParaRPr lang="en-AU" dirty="0"/>
           </a:p>
         </p:txBody>
@@ -3835,12 +3875,25 @@
           </a:xfrm>
         </p:spPr>
         <p:txBody>
-          <a:bodyPr/>
+          <a:bodyPr>
+            <a:normAutofit fontScale="90000"/>
+          </a:bodyPr>
           <a:lstStyle/>
           <a:p>
             <a:r>
               <a:rPr lang="en-AU" b="1" dirty="0" smtClean="0"/>
-              <a:t>Questions?</a:t>
+              <a:t>Questions</a:t>
+            </a:r>
+            <a:r>
+              <a:rPr lang="en-AU" b="1" dirty="0" smtClean="0"/>
+              <a:t>?</a:t>
+            </a:r>
+            <a:br>
+              <a:rPr lang="en-AU" b="1" dirty="0" smtClean="0"/>
+            </a:br>
+            <a:r>
+              <a:rPr lang="en-AU" b="1" dirty="0" smtClean="0"/>
+              <a:t>Make email larger</a:t>
             </a:r>
             <a:endParaRPr lang="en-AU" b="1" dirty="0"/>
           </a:p>
@@ -3922,6 +3975,13 @@
   <p:clrMapOvr>
     <a:masterClrMapping/>
   </p:clrMapOvr>
+  <p:timing>
+    <p:tnLst>
+      <p:par>
+        <p:cTn id="1" dur="indefinite" restart="never" nodeType="tmRoot"/>
+      </p:par>
+    </p:tnLst>
+  </p:timing>
 </p:sld>
 </file>
 
@@ -4061,6 +4121,13 @@
   <p:clrMapOvr>
     <a:masterClrMapping/>
   </p:clrMapOvr>
+  <p:timing>
+    <p:tnLst>
+      <p:par>
+        <p:cTn id="1" dur="indefinite" restart="never" nodeType="tmRoot"/>
+      </p:par>
+    </p:tnLst>
+  </p:timing>
 </p:sld>
 </file>
 
@@ -4168,7 +4235,6 @@
               <a:rPr lang="en-AU" dirty="0" smtClean="0"/>
               <a:t>Tempest: </a:t>
             </a:r>
-            <a:endParaRPr lang="en-AU" dirty="0" smtClean="0"/>
           </a:p>
           <a:p>
             <a:pPr lvl="1"/>
@@ -4212,7 +4278,6 @@
               <a:rPr lang="en-AU" dirty="0" smtClean="0"/>
               <a:t>World designer, Modeller</a:t>
             </a:r>
-            <a:endParaRPr lang="en-AU" dirty="0" smtClean="0"/>
           </a:p>
           <a:p>
             <a:pPr lvl="1"/>
@@ -4260,7 +4325,6 @@
               <a:rPr lang="en-AU" dirty="0" smtClean="0"/>
               <a:t> development</a:t>
             </a:r>
-            <a:endParaRPr lang="en-AU" dirty="0" smtClean="0"/>
           </a:p>
           <a:p>
             <a:pPr lvl="1"/>
@@ -4300,7 +4364,6 @@
               <a:rPr lang="en-AU" dirty="0" smtClean="0"/>
               <a:t>Leap Motion development, Project Management</a:t>
             </a:r>
-            <a:endParaRPr lang="en-AU" dirty="0" smtClean="0"/>
           </a:p>
           <a:p>
             <a:pPr lvl="1"/>
@@ -4344,17 +4407,12 @@
               <a:rPr lang="en-AU" dirty="0" smtClean="0"/>
               <a:t> development</a:t>
             </a:r>
-            <a:endParaRPr lang="en-AU" dirty="0" smtClean="0"/>
           </a:p>
           <a:p>
             <a:pPr lvl="1"/>
             <a:r>
               <a:rPr lang="en-AU" dirty="0" smtClean="0"/>
-              <a:t>Bryan </a:t>
-            </a:r>
-            <a:r>
-              <a:rPr lang="en-AU" dirty="0" smtClean="0"/>
-              <a:t>Yu </a:t>
+              <a:t>Bryan Yu </a:t>
             </a:r>
             <a:r>
               <a:rPr lang="en-AU" sz="2400" i="1" dirty="0" smtClean="0"/>
@@ -4368,7 +4426,6 @@
               <a:rPr lang="en-AU" sz="2400" i="1" dirty="0" smtClean="0"/>
               <a:t>, Computer Science, Games Technology)</a:t>
             </a:r>
-            <a:endParaRPr lang="en-AU" sz="2400" i="1" dirty="0" smtClean="0"/>
           </a:p>
           <a:p>
             <a:pPr lvl="2"/>
@@ -4376,7 +4433,6 @@
               <a:rPr lang="en-AU" dirty="0" smtClean="0"/>
               <a:t>Razer Hydra, Database</a:t>
             </a:r>
-            <a:endParaRPr lang="en-AU" dirty="0" smtClean="0"/>
           </a:p>
           <a:p>
             <a:r>
@@ -4466,7 +4522,9 @@
         </p:nvSpPr>
         <p:spPr/>
         <p:txBody>
-          <a:bodyPr/>
+          <a:bodyPr>
+            <a:normAutofit fontScale="70000" lnSpcReduction="20000"/>
+          </a:bodyPr>
           <a:lstStyle/>
           <a:p>
             <a:r>
@@ -4496,9 +4554,24 @@
           </a:p>
           <a:p>
             <a:r>
-              <a:rPr lang="en-AU" dirty="0"/>
+              <a:rPr lang="en-AU" dirty="0" smtClean="0"/>
               <a:t>Rehabilitation</a:t>
             </a:r>
+          </a:p>
+          <a:p>
+            <a:pPr lvl="1"/>
+            <a:r>
+              <a:rPr lang="en-AU" dirty="0" smtClean="0"/>
+              <a:t>ACCESSIBILITY</a:t>
+            </a:r>
+          </a:p>
+          <a:p>
+            <a:pPr lvl="1"/>
+            <a:r>
+              <a:rPr lang="en-AU" dirty="0" smtClean="0"/>
+              <a:t>TIME/MONEY</a:t>
+            </a:r>
+            <a:endParaRPr lang="en-AU" dirty="0"/>
           </a:p>
           <a:p>
             <a:pPr lvl="1"/>
@@ -4510,16 +4583,40 @@
           <a:p>
             <a:pPr lvl="1"/>
             <a:r>
-              <a:rPr lang="en-AU" dirty="0"/>
-              <a:t>Tedious/boring</a:t>
-            </a:r>
+              <a:rPr lang="en-AU" dirty="0" smtClean="0"/>
+              <a:t>Tedious/boring – no incremental goals</a:t>
+            </a:r>
+            <a:endParaRPr lang="en-AU" dirty="0"/>
           </a:p>
           <a:p>
             <a:pPr lvl="1"/>
             <a:r>
-              <a:rPr lang="en-AU" dirty="0"/>
+              <a:rPr lang="en-AU" dirty="0" smtClean="0"/>
               <a:t>Limited</a:t>
             </a:r>
+          </a:p>
+          <a:p>
+            <a:r>
+              <a:rPr lang="en-AU" dirty="0" smtClean="0"/>
+              <a:t>Initially evaluation of devices, determined that the project was useful enough to be used in a practical setting (scope creep)</a:t>
+            </a:r>
+          </a:p>
+          <a:p>
+            <a:r>
+              <a:rPr lang="en-AU" dirty="0" smtClean="0"/>
+              <a:t>HELPING PEOPLE</a:t>
+            </a:r>
+          </a:p>
+          <a:p>
+            <a:r>
+              <a:rPr lang="en-AU" dirty="0" smtClean="0"/>
+              <a:t>Evaluation step towards a more </a:t>
+            </a:r>
+            <a:r>
+              <a:rPr lang="en-AU" smtClean="0"/>
+              <a:t>concrete implementation</a:t>
+            </a:r>
+            <a:endParaRPr lang="en-AU" dirty="0"/>
           </a:p>
           <a:p>
             <a:pPr lvl="1"/>
@@ -4606,7 +4703,7 @@
         <p:spPr/>
         <p:txBody>
           <a:bodyPr>
-            <a:normAutofit fontScale="92500" lnSpcReduction="20000"/>
+            <a:normAutofit fontScale="85000" lnSpcReduction="20000"/>
           </a:bodyPr>
           <a:lstStyle/>
           <a:p>
@@ -4619,20 +4716,35 @@
             <a:pPr lvl="1"/>
             <a:r>
               <a:rPr lang="en-AU" dirty="0"/>
-              <a:t>3 worlds</a:t>
-            </a:r>
-          </a:p>
-          <a:p>
+              <a:t>3 </a:t>
+            </a:r>
+            <a:r>
+              <a:rPr lang="en-AU" dirty="0" smtClean="0"/>
+              <a:t>different treatments</a:t>
+            </a:r>
+          </a:p>
+          <a:p>
+            <a:pPr lvl="1"/>
+            <a:r>
+              <a:rPr lang="en-AU" dirty="0" smtClean="0"/>
+              <a:t>Tools to assist people</a:t>
+            </a:r>
+          </a:p>
+          <a:p>
+            <a:r>
+              <a:rPr lang="en-AU" dirty="0" smtClean="0"/>
+              <a:t>Devices (different accessibility)</a:t>
+            </a:r>
+          </a:p>
+          <a:p>
+            <a:pPr lvl="1"/>
+            <a:r>
+              <a:rPr lang="en-AU" dirty="0" smtClean="0"/>
+              <a:t>Oculus </a:t>
+            </a:r>
             <a:r>
               <a:rPr lang="en-AU" dirty="0"/>
-              <a:t>Devices</a:t>
-            </a:r>
-          </a:p>
-          <a:p>
-            <a:pPr lvl="1"/>
-            <a:r>
-              <a:rPr lang="en-AU" dirty="0"/>
-              <a:t>Oculus + Keyboard and mouse</a:t>
+              <a:t>+ Keyboard and mouse</a:t>
             </a:r>
           </a:p>
           <a:p>
@@ -4670,8 +4782,13 @@
           <a:p>
             <a:r>
               <a:rPr lang="en-AU" dirty="0"/>
-              <a:t>Monitoring progress</a:t>
-            </a:r>
+              <a:t>Monitoring </a:t>
+            </a:r>
+            <a:r>
+              <a:rPr lang="en-AU" dirty="0" smtClean="0"/>
+              <a:t>progress – can be assessed</a:t>
+            </a:r>
+            <a:endParaRPr lang="en-AU" dirty="0"/>
           </a:p>
           <a:p>
             <a:r>
@@ -4765,6 +4882,14 @@
             </a:r>
           </a:p>
           <a:p>
+            <a:pPr lvl="1"/>
+            <a:r>
+              <a:rPr lang="en-AU" dirty="0" smtClean="0"/>
+              <a:t>SCRUM</a:t>
+            </a:r>
+            <a:endParaRPr lang="en-AU" dirty="0" smtClean="0"/>
+          </a:p>
+          <a:p>
             <a:r>
               <a:rPr lang="en-AU" dirty="0" smtClean="0"/>
               <a:t>Weekly team/supervisor meetings</a:t>
@@ -4773,17 +4898,29 @@
           <a:p>
             <a:r>
               <a:rPr lang="en-AU" dirty="0" smtClean="0"/>
-              <a:t>Source code </a:t>
-            </a:r>
-            <a:r>
-              <a:rPr lang="en-AU" dirty="0" smtClean="0"/>
-              <a:t>control</a:t>
-            </a:r>
-          </a:p>
-          <a:p>
-            <a:r>
-              <a:rPr lang="en-AU" dirty="0" smtClean="0"/>
-              <a:t>How the project was managed/how the team was managed</a:t>
+              <a:t>Source code control</a:t>
+            </a:r>
+          </a:p>
+          <a:p>
+            <a:r>
+              <a:rPr lang="en-AU" dirty="0" smtClean="0"/>
+              <a:t>How the project was managed/how the team was </a:t>
+            </a:r>
+            <a:r>
+              <a:rPr lang="en-AU" dirty="0" smtClean="0"/>
+              <a:t>managed</a:t>
+            </a:r>
+          </a:p>
+          <a:p>
+            <a:r>
+              <a:rPr lang="en-AU" dirty="0" smtClean="0"/>
+              <a:t>How we broke down the work</a:t>
+            </a:r>
+          </a:p>
+          <a:p>
+            <a:r>
+              <a:rPr lang="en-AU" dirty="0" smtClean="0"/>
+              <a:t>How we assigned the work</a:t>
             </a:r>
             <a:endParaRPr lang="en-AU" dirty="0"/>
           </a:p>
@@ -4799,6 +4936,13 @@
   <p:clrMapOvr>
     <a:masterClrMapping/>
   </p:clrMapOvr>
+  <p:timing>
+    <p:tnLst>
+      <p:par>
+        <p:cTn id="1" dur="indefinite" restart="never" nodeType="tmRoot"/>
+      </p:par>
+    </p:tnLst>
+  </p:timing>
 </p:sld>
 </file>
 
@@ -4855,14 +4999,70 @@
         <p:spPr/>
         <p:txBody>
           <a:bodyPr>
-            <a:normAutofit fontScale="85000" lnSpcReduction="20000"/>
+            <a:normAutofit fontScale="55000" lnSpcReduction="20000"/>
           </a:bodyPr>
           <a:lstStyle/>
           <a:p>
             <a:r>
               <a:rPr lang="en-AU" dirty="0" smtClean="0"/>
+              <a:t>Engine (unity c#)</a:t>
+            </a:r>
+          </a:p>
+          <a:p>
+            <a:r>
+              <a:rPr lang="en-AU" dirty="0" smtClean="0"/>
+              <a:t>Hardware()</a:t>
+            </a:r>
+          </a:p>
+          <a:p>
+            <a:pPr lvl="1"/>
+            <a:r>
+              <a:rPr lang="en-AU" dirty="0" smtClean="0"/>
+              <a:t>APIs</a:t>
+            </a:r>
+          </a:p>
+          <a:p>
+            <a:r>
+              <a:rPr lang="en-AU" dirty="0" smtClean="0"/>
+              <a:t>3d modelling (3ds)</a:t>
+            </a:r>
+          </a:p>
+          <a:p>
+            <a:r>
+              <a:rPr lang="en-AU" dirty="0" smtClean="0"/>
+              <a:t>Data and </a:t>
+            </a:r>
+            <a:r>
+              <a:rPr lang="en-AU" dirty="0" err="1" smtClean="0"/>
+              <a:t>prfiles</a:t>
+            </a:r>
+            <a:r>
+              <a:rPr lang="en-AU" dirty="0" smtClean="0"/>
+              <a:t> (</a:t>
+            </a:r>
+            <a:r>
+              <a:rPr lang="en-AU" dirty="0" err="1" smtClean="0"/>
+              <a:t>mysql</a:t>
+            </a:r>
+            <a:r>
+              <a:rPr lang="en-AU" dirty="0" smtClean="0"/>
+              <a:t>, </a:t>
+            </a:r>
+            <a:r>
+              <a:rPr lang="en-AU" dirty="0" err="1" smtClean="0"/>
+              <a:t>cleardb</a:t>
+            </a:r>
+            <a:r>
+              <a:rPr lang="en-AU" dirty="0" smtClean="0"/>
+              <a:t>)</a:t>
+            </a:r>
+          </a:p>
+          <a:p>
+            <a:r>
+              <a:rPr lang="en-AU" dirty="0" smtClean="0"/>
               <a:t>Software</a:t>
             </a:r>
+            <a:endParaRPr lang="en-AU" dirty="0" smtClean="0"/>
           </a:p>
           <a:p>
             <a:pPr lvl="1"/>
@@ -4986,6 +5186,13 @@
   <p:clrMapOvr>
     <a:masterClrMapping/>
   </p:clrMapOvr>
+  <p:timing>
+    <p:tnLst>
+      <p:par>
+        <p:cTn id="1" dur="indefinite" restart="never" nodeType="tmRoot"/>
+      </p:par>
+    </p:tnLst>
+  </p:timing>
 </p:sld>
 </file>
 
@@ -5058,6 +5265,13 @@
   <p:clrMapOvr>
     <a:masterClrMapping/>
   </p:clrMapOvr>
+  <p:timing>
+    <p:tnLst>
+      <p:par>
+        <p:cTn id="1" dur="indefinite" restart="never" nodeType="tmRoot"/>
+      </p:par>
+    </p:tnLst>
+  </p:timing>
 </p:sld>
 </file>
 
@@ -5095,11 +5309,7 @@
           <a:p>
             <a:r>
               <a:rPr lang="en-AU" b="1" dirty="0" smtClean="0"/>
-              <a:t>Final </a:t>
-            </a:r>
-            <a:r>
-              <a:rPr lang="en-AU" b="1" dirty="0" smtClean="0"/>
-              <a:t>Status</a:t>
+              <a:t>Final Status</a:t>
             </a:r>
             <a:endParaRPr lang="en-AU" b="1" dirty="0"/>
           </a:p>
@@ -5164,6 +5374,13 @@
   <p:clrMapOvr>
     <a:masterClrMapping/>
   </p:clrMapOvr>
+  <p:timing>
+    <p:tnLst>
+      <p:par>
+        <p:cTn id="1" dur="indefinite" restart="never" nodeType="tmRoot"/>
+      </p:par>
+    </p:tnLst>
+  </p:timing>
 </p:sld>
 </file>
 
